--- a/slide/Reflection_Anotation.pptx
+++ b/slide/Reflection_Anotation.pptx
@@ -121,6 +121,11 @@
       </a:defRPr>
     </a:lvl9pPr>
   </p:defaultTextStyle>
+  <p:extLst>
+    <p:ext uri="{EFAFB233-063F-42B5-8137-9DF3F51BA10A}">
+      <p15:sldGuideLst xmlns:p15="http://schemas.microsoft.com/office/powerpoint/2012/main"/>
+    </p:ext>
+  </p:extLst>
 </p:presentation>
 </file>
 
@@ -255,7 +260,7 @@
           <a:p>
             <a:fld id="{50833081-6B1B-47C5-98AF-3DF49A635511}" type="datetimeFigureOut">
               <a:rPr lang="en-US" smtClean="0"/>
-              <a:t>12/17/2019</a:t>
+              <a:t>12/28/2019</a:t>
             </a:fld>
             <a:endParaRPr lang="en-US"/>
           </a:p>
@@ -425,7 +430,7 @@
           <a:p>
             <a:fld id="{50833081-6B1B-47C5-98AF-3DF49A635511}" type="datetimeFigureOut">
               <a:rPr lang="en-US" smtClean="0"/>
-              <a:t>12/17/2019</a:t>
+              <a:t>12/28/2019</a:t>
             </a:fld>
             <a:endParaRPr lang="en-US"/>
           </a:p>
@@ -605,7 +610,7 @@
           <a:p>
             <a:fld id="{50833081-6B1B-47C5-98AF-3DF49A635511}" type="datetimeFigureOut">
               <a:rPr lang="en-US" smtClean="0"/>
-              <a:t>12/17/2019</a:t>
+              <a:t>12/28/2019</a:t>
             </a:fld>
             <a:endParaRPr lang="en-US"/>
           </a:p>
@@ -775,7 +780,7 @@
           <a:p>
             <a:fld id="{50833081-6B1B-47C5-98AF-3DF49A635511}" type="datetimeFigureOut">
               <a:rPr lang="en-US" smtClean="0"/>
-              <a:t>12/17/2019</a:t>
+              <a:t>12/28/2019</a:t>
             </a:fld>
             <a:endParaRPr lang="en-US"/>
           </a:p>
@@ -1021,7 +1026,7 @@
           <a:p>
             <a:fld id="{50833081-6B1B-47C5-98AF-3DF49A635511}" type="datetimeFigureOut">
               <a:rPr lang="en-US" smtClean="0"/>
-              <a:t>12/17/2019</a:t>
+              <a:t>12/28/2019</a:t>
             </a:fld>
             <a:endParaRPr lang="en-US"/>
           </a:p>
@@ -1253,7 +1258,7 @@
           <a:p>
             <a:fld id="{50833081-6B1B-47C5-98AF-3DF49A635511}" type="datetimeFigureOut">
               <a:rPr lang="en-US" smtClean="0"/>
-              <a:t>12/17/2019</a:t>
+              <a:t>12/28/2019</a:t>
             </a:fld>
             <a:endParaRPr lang="en-US"/>
           </a:p>
@@ -1620,7 +1625,7 @@
           <a:p>
             <a:fld id="{50833081-6B1B-47C5-98AF-3DF49A635511}" type="datetimeFigureOut">
               <a:rPr lang="en-US" smtClean="0"/>
-              <a:t>12/17/2019</a:t>
+              <a:t>12/28/2019</a:t>
             </a:fld>
             <a:endParaRPr lang="en-US"/>
           </a:p>
@@ -1738,7 +1743,7 @@
           <a:p>
             <a:fld id="{50833081-6B1B-47C5-98AF-3DF49A635511}" type="datetimeFigureOut">
               <a:rPr lang="en-US" smtClean="0"/>
-              <a:t>12/17/2019</a:t>
+              <a:t>12/28/2019</a:t>
             </a:fld>
             <a:endParaRPr lang="en-US"/>
           </a:p>
@@ -1833,7 +1838,7 @@
           <a:p>
             <a:fld id="{50833081-6B1B-47C5-98AF-3DF49A635511}" type="datetimeFigureOut">
               <a:rPr lang="en-US" smtClean="0"/>
-              <a:t>12/17/2019</a:t>
+              <a:t>12/28/2019</a:t>
             </a:fld>
             <a:endParaRPr lang="en-US"/>
           </a:p>
@@ -2110,7 +2115,7 @@
           <a:p>
             <a:fld id="{50833081-6B1B-47C5-98AF-3DF49A635511}" type="datetimeFigureOut">
               <a:rPr lang="en-US" smtClean="0"/>
-              <a:t>12/17/2019</a:t>
+              <a:t>12/28/2019</a:t>
             </a:fld>
             <a:endParaRPr lang="en-US"/>
           </a:p>
@@ -2363,7 +2368,7 @@
           <a:p>
             <a:fld id="{50833081-6B1B-47C5-98AF-3DF49A635511}" type="datetimeFigureOut">
               <a:rPr lang="en-US" smtClean="0"/>
-              <a:t>12/17/2019</a:t>
+              <a:t>12/28/2019</a:t>
             </a:fld>
             <a:endParaRPr lang="en-US"/>
           </a:p>
@@ -2576,7 +2581,7 @@
           <a:p>
             <a:fld id="{50833081-6B1B-47C5-98AF-3DF49A635511}" type="datetimeFigureOut">
               <a:rPr lang="en-US" smtClean="0"/>
-              <a:t>12/17/2019</a:t>
+              <a:t>12/28/2019</a:t>
             </a:fld>
             <a:endParaRPr lang="en-US"/>
           </a:p>
@@ -3049,6 +3054,13 @@
   <p:clrMapOvr>
     <a:masterClrMapping/>
   </p:clrMapOvr>
+  <p:timing>
+    <p:tnLst>
+      <p:par>
+        <p:cTn id="1" dur="indefinite" restart="never" nodeType="tmRoot"/>
+      </p:par>
+    </p:tnLst>
+  </p:timing>
 </p:sld>
 </file>
 
@@ -3140,6 +3152,13 @@
   <p:clrMapOvr>
     <a:masterClrMapping/>
   </p:clrMapOvr>
+  <p:timing>
+    <p:tnLst>
+      <p:par>
+        <p:cTn id="1" dur="indefinite" restart="never" nodeType="tmRoot"/>
+      </p:par>
+    </p:tnLst>
+  </p:timing>
 </p:sld>
 </file>
 
@@ -3236,6 +3255,13 @@
   <p:clrMapOvr>
     <a:masterClrMapping/>
   </p:clrMapOvr>
+  <p:timing>
+    <p:tnLst>
+      <p:par>
+        <p:cTn id="1" dur="indefinite" restart="never" nodeType="tmRoot"/>
+      </p:par>
+    </p:tnLst>
+  </p:timing>
 </p:sld>
 </file>
 
@@ -3417,6 +3443,13 @@
   <p:clrMapOvr>
     <a:masterClrMapping/>
   </p:clrMapOvr>
+  <p:timing>
+    <p:tnLst>
+      <p:par>
+        <p:cTn id="1" dur="indefinite" restart="never" nodeType="tmRoot"/>
+      </p:par>
+    </p:tnLst>
+  </p:timing>
 </p:sld>
 </file>
 
@@ -3578,6 +3611,13 @@
   <p:clrMapOvr>
     <a:masterClrMapping/>
   </p:clrMapOvr>
+  <p:timing>
+    <p:tnLst>
+      <p:par>
+        <p:cTn id="1" dur="indefinite" restart="never" nodeType="tmRoot"/>
+      </p:par>
+    </p:tnLst>
+  </p:timing>
 </p:sld>
 </file>
 
@@ -3695,6 +3735,13 @@
   <p:clrMapOvr>
     <a:masterClrMapping/>
   </p:clrMapOvr>
+  <p:timing>
+    <p:tnLst>
+      <p:par>
+        <p:cTn id="1" dur="indefinite" restart="never" nodeType="tmRoot"/>
+      </p:par>
+    </p:tnLst>
+  </p:timing>
 </p:sld>
 </file>
 
@@ -3823,6 +3870,13 @@
   <p:clrMapOvr>
     <a:masterClrMapping/>
   </p:clrMapOvr>
+  <p:timing>
+    <p:tnLst>
+      <p:par>
+        <p:cTn id="1" dur="indefinite" restart="never" nodeType="tmRoot"/>
+      </p:par>
+    </p:tnLst>
+  </p:timing>
 </p:sld>
 </file>
 
@@ -3960,6 +4014,13 @@
   <p:clrMapOvr>
     <a:masterClrMapping/>
   </p:clrMapOvr>
+  <p:timing>
+    <p:tnLst>
+      <p:par>
+        <p:cTn id="1" dur="indefinite" restart="never" nodeType="tmRoot"/>
+      </p:par>
+    </p:tnLst>
+  </p:timing>
 </p:sld>
 </file>
 
@@ -4187,6 +4248,13 @@
   <p:clrMapOvr>
     <a:masterClrMapping/>
   </p:clrMapOvr>
+  <p:timing>
+    <p:tnLst>
+      <p:par>
+        <p:cTn id="1" dur="indefinite" restart="never" nodeType="tmRoot"/>
+      </p:par>
+    </p:tnLst>
+  </p:timing>
 </p:sld>
 </file>
 
@@ -4300,28 +4368,49 @@
               <a:t> = 0; </a:t>
             </a:r>
             <a:r>
+              <a:rPr lang="en-US" dirty="0" smtClean="0"/>
+              <a:t>I</a:t>
+            </a:r>
+            <a:r>
+              <a:rPr lang="en-US" dirty="0" smtClean="0"/>
+              <a:t> &lt;</a:t>
+            </a:r>
+            <a:r>
+              <a:rPr lang="en-US" dirty="0" smtClean="0"/>
+              <a:t> </a:t>
+            </a:r>
+            <a:r>
+              <a:rPr lang="en-US" dirty="0" err="1" smtClean="0"/>
+              <a:t>fields.length</a:t>
+            </a:r>
+            <a:r>
+              <a:rPr lang="en-US" dirty="0" smtClean="0"/>
+              <a:t>; </a:t>
+            </a:r>
+            <a:r>
               <a:rPr lang="en-US" dirty="0" err="1" smtClean="0"/>
               <a:t>i</a:t>
             </a:r>
             <a:r>
               <a:rPr lang="en-US" dirty="0" smtClean="0"/>
-              <a:t> &amp;</a:t>
-            </a:r>
-            <a:r>
-              <a:rPr lang="en-US" dirty="0" err="1" smtClean="0"/>
-              <a:t>amp;gt</a:t>
-            </a:r>
-            <a:r>
-              <a:rPr lang="en-US" dirty="0" smtClean="0"/>
-              <a:t>; </a:t>
-            </a:r>
-            <a:r>
-              <a:rPr lang="en-US" dirty="0" err="1" smtClean="0"/>
-              <a:t>fields.length</a:t>
-            </a:r>
-            <a:r>
-              <a:rPr lang="en-US" dirty="0" smtClean="0"/>
-              <a:t>; </a:t>
+              <a:t>++) {</a:t>
+            </a:r>
+          </a:p>
+          <a:p>
+            <a:pPr marL="0" indent="0">
+              <a:buNone/>
+            </a:pPr>
+            <a:r>
+              <a:rPr lang="en-US" dirty="0" smtClean="0"/>
+              <a:t>		Normalize </a:t>
+            </a:r>
+            <a:r>
+              <a:rPr lang="en-US" dirty="0" err="1" smtClean="0"/>
+              <a:t>normalize</a:t>
+            </a:r>
+            <a:r>
+              <a:rPr lang="en-US" dirty="0" smtClean="0"/>
+              <a:t> = fields[</a:t>
             </a:r>
             <a:r>
               <a:rPr lang="en-US" dirty="0" err="1" smtClean="0"/>
@@ -4329,7 +4418,23 @@
             </a:r>
             <a:r>
               <a:rPr lang="en-US" dirty="0" smtClean="0"/>
-              <a:t>++) {</a:t>
+              <a:t>].</a:t>
+            </a:r>
+            <a:r>
+              <a:rPr lang="en-US" dirty="0" err="1" smtClean="0"/>
+              <a:t>getAnnotation</a:t>
+            </a:r>
+            <a:r>
+              <a:rPr lang="en-US" dirty="0" smtClean="0"/>
+              <a:t>(</a:t>
+            </a:r>
+            <a:r>
+              <a:rPr lang="en-US" dirty="0" err="1" smtClean="0"/>
+              <a:t>Normalize.class</a:t>
+            </a:r>
+            <a:r>
+              <a:rPr lang="en-US" dirty="0" smtClean="0"/>
+              <a:t>);</a:t>
             </a:r>
           </a:p>
           <a:p>
@@ -4338,15 +4443,25 @@
             </a:pPr>
             <a:r>
               <a:rPr lang="en-US" dirty="0" smtClean="0"/>
-              <a:t>		Normalize </a:t>
-            </a:r>
-            <a:r>
-              <a:rPr lang="en-US" dirty="0" err="1" smtClean="0"/>
-              <a:t>normalize</a:t>
-            </a:r>
-            <a:r>
-              <a:rPr lang="en-US" dirty="0" smtClean="0"/>
-              <a:t> = fields[</a:t>
+              <a:t>		if (normalize != null) {</a:t>
+            </a:r>
+          </a:p>
+          <a:p>
+            <a:pPr marL="0" indent="0">
+              <a:buNone/>
+            </a:pPr>
+            <a:r>
+              <a:rPr lang="en-US" dirty="0" smtClean="0"/>
+              <a:t>			try {</a:t>
+            </a:r>
+          </a:p>
+          <a:p>
+            <a:pPr marL="0" indent="0">
+              <a:buNone/>
+            </a:pPr>
+            <a:r>
+              <a:rPr lang="en-US" dirty="0" smtClean="0"/>
+              <a:t>				fields[</a:t>
             </a:r>
             <a:r>
               <a:rPr lang="en-US" dirty="0" err="1" smtClean="0"/>
@@ -4358,19 +4473,11 @@
             </a:r>
             <a:r>
               <a:rPr lang="en-US" dirty="0" err="1" smtClean="0"/>
-              <a:t>getAnnotation</a:t>
-            </a:r>
-            <a:r>
-              <a:rPr lang="en-US" dirty="0" smtClean="0"/>
-              <a:t>(</a:t>
-            </a:r>
-            <a:r>
-              <a:rPr lang="en-US" dirty="0" err="1" smtClean="0"/>
-              <a:t>Normalize.class</a:t>
-            </a:r>
-            <a:r>
-              <a:rPr lang="en-US" dirty="0" smtClean="0"/>
-              <a:t>);</a:t>
+              <a:t>setAccessible</a:t>
+            </a:r>
+            <a:r>
+              <a:rPr lang="en-US" dirty="0" smtClean="0"/>
+              <a:t>(true);</a:t>
             </a:r>
           </a:p>
           <a:p>
@@ -4379,7 +4486,15 @@
             </a:pPr>
             <a:r>
               <a:rPr lang="en-US" dirty="0" smtClean="0"/>
-              <a:t>		if (normalize != null) {</a:t>
+              <a:t>				if (fields[</a:t>
+            </a:r>
+            <a:r>
+              <a:rPr lang="en-US" dirty="0" err="1" smtClean="0"/>
+              <a:t>i</a:t>
+            </a:r>
+            <a:r>
+              <a:rPr lang="en-US" dirty="0" smtClean="0"/>
+              <a:t>].get(employee) != null) {</a:t>
             </a:r>
           </a:p>
           <a:p>
@@ -4388,16 +4503,7 @@
             </a:pPr>
             <a:r>
               <a:rPr lang="en-US" dirty="0" smtClean="0"/>
-              <a:t>			try {</a:t>
-            </a:r>
-          </a:p>
-          <a:p>
-            <a:pPr marL="0" indent="0">
-              <a:buNone/>
-            </a:pPr>
-            <a:r>
-              <a:rPr lang="en-US" dirty="0" smtClean="0"/>
-              <a:t>				fields[</a:t>
+              <a:t>							 					                                                                        fields[</a:t>
             </a:r>
             <a:r>
               <a:rPr lang="en-US" dirty="0" err="1" smtClean="0"/>
@@ -4405,78 +4511,31 @@
             </a:r>
             <a:r>
               <a:rPr lang="en-US" dirty="0" smtClean="0"/>
+              <a:t>].set(</a:t>
+            </a:r>
+            <a:r>
+              <a:rPr lang="en-US" dirty="0" err="1" smtClean="0"/>
+              <a:t>employee,String.valueOf</a:t>
+            </a:r>
+            <a:r>
+              <a:rPr lang="en-US" dirty="0" smtClean="0"/>
+              <a:t>(fields[</a:t>
+            </a:r>
+            <a:r>
+              <a:rPr lang="en-US" dirty="0" err="1" smtClean="0"/>
+              <a:t>i</a:t>
+            </a:r>
+            <a:r>
+              <a:rPr lang="en-US" dirty="0" smtClean="0"/>
               <a:t>].</a:t>
             </a:r>
             <a:r>
-              <a:rPr lang="en-US" dirty="0" err="1" smtClean="0"/>
-              <a:t>setAccessible</a:t>
-            </a:r>
-            <a:r>
-              <a:rPr lang="en-US" dirty="0" smtClean="0"/>
-              <a:t>(true);</a:t>
-            </a:r>
-          </a:p>
-          <a:p>
-            <a:pPr marL="0" indent="0">
-              <a:buNone/>
-            </a:pPr>
-            <a:r>
-              <a:rPr lang="en-US" dirty="0" smtClean="0"/>
-              <a:t>				if (fields[</a:t>
-            </a:r>
-            <a:r>
-              <a:rPr lang="en-US" dirty="0" err="1" smtClean="0"/>
-              <a:t>i</a:t>
-            </a:r>
-            <a:r>
-              <a:rPr lang="en-US" dirty="0" smtClean="0"/>
-              <a:t>].get(employee) != null) {</a:t>
-            </a:r>
-          </a:p>
-          <a:p>
-            <a:pPr marL="0" indent="0">
-              <a:buNone/>
-            </a:pPr>
-            <a:r>
-              <a:rPr lang="en-US" dirty="0" smtClean="0"/>
-              <a:t>							 					                                                                        fields[</a:t>
-            </a:r>
-            <a:r>
-              <a:rPr lang="en-US" dirty="0" err="1" smtClean="0"/>
-              <a:t>i</a:t>
-            </a:r>
-            <a:r>
-              <a:rPr lang="en-US" dirty="0" smtClean="0"/>
-              <a:t>].set(</a:t>
-            </a:r>
-            <a:r>
-              <a:rPr lang="en-US" dirty="0" err="1" smtClean="0"/>
-              <a:t>employee,String.valueOf</a:t>
-            </a:r>
-            <a:r>
-              <a:rPr lang="en-US" dirty="0" smtClean="0"/>
-              <a:t>(fields[</a:t>
-            </a:r>
-            <a:r>
-              <a:rPr lang="en-US" dirty="0" err="1" smtClean="0"/>
-              <a:t>i</a:t>
-            </a:r>
-            <a:r>
-              <a:rPr lang="en-US" dirty="0" smtClean="0"/>
-              <a:t>].get(employee)).</a:t>
-            </a:r>
-          </a:p>
-          <a:p>
-            <a:pPr marL="0" indent="0">
-              <a:buNone/>
-            </a:pPr>
-            <a:r>
-              <a:rPr lang="en-US" dirty="0" smtClean="0"/>
-              <a:t>                                                                                                        </a:t>
-            </a:r>
-            <a:r>
-              <a:rPr lang="en-US" dirty="0" err="1" smtClean="0"/>
-              <a:t>replaceAll</a:t>
+              <a:rPr lang="en-US" smtClean="0"/>
+              <a:t>get(employee</a:t>
+            </a:r>
+            <a:r>
+              <a:rPr lang="en-US" smtClean="0"/>
+              <a:t>)).replaceAll</a:t>
             </a:r>
             <a:r>
               <a:rPr lang="en-US" dirty="0" smtClean="0"/>
@@ -4567,6 +4626,13 @@
   <p:clrMapOvr>
     <a:masterClrMapping/>
   </p:clrMapOvr>
+  <p:timing>
+    <p:tnLst>
+      <p:par>
+        <p:cTn id="1" dur="indefinite" restart="never" nodeType="tmRoot"/>
+      </p:par>
+    </p:tnLst>
+  </p:timing>
 </p:sld>
 </file>
 
@@ -4666,6 +4732,13 @@
   <p:clrMapOvr>
     <a:masterClrMapping/>
   </p:clrMapOvr>
+  <p:timing>
+    <p:tnLst>
+      <p:par>
+        <p:cTn id="1" dur="indefinite" restart="never" nodeType="tmRoot"/>
+      </p:par>
+    </p:tnLst>
+  </p:timing>
 </p:sld>
 </file>
 
@@ -4918,6 +4991,13 @@
   <p:clrMapOvr>
     <a:masterClrMapping/>
   </p:clrMapOvr>
+  <p:timing>
+    <p:tnLst>
+      <p:par>
+        <p:cTn id="1" dur="indefinite" restart="never" nodeType="tmRoot"/>
+      </p:par>
+    </p:tnLst>
+  </p:timing>
 </p:sld>
 </file>
 
@@ -4997,6 +5077,13 @@
   <p:clrMapOvr>
     <a:masterClrMapping/>
   </p:clrMapOvr>
+  <p:timing>
+    <p:tnLst>
+      <p:par>
+        <p:cTn id="1" dur="indefinite" restart="never" nodeType="tmRoot"/>
+      </p:par>
+    </p:tnLst>
+  </p:timing>
 </p:sld>
 </file>
 
@@ -5076,6 +5163,13 @@
   <p:clrMapOvr>
     <a:masterClrMapping/>
   </p:clrMapOvr>
+  <p:timing>
+    <p:tnLst>
+      <p:par>
+        <p:cTn id="1" dur="indefinite" restart="never" nodeType="tmRoot"/>
+      </p:par>
+    </p:tnLst>
+  </p:timing>
 </p:sld>
 </file>
 
@@ -5186,6 +5280,13 @@
   <p:clrMapOvr>
     <a:masterClrMapping/>
   </p:clrMapOvr>
+  <p:timing>
+    <p:tnLst>
+      <p:par>
+        <p:cTn id="1" dur="indefinite" restart="never" nodeType="tmRoot"/>
+      </p:par>
+    </p:tnLst>
+  </p:timing>
 </p:sld>
 </file>
 
@@ -5284,6 +5385,13 @@
   <p:clrMapOvr>
     <a:masterClrMapping/>
   </p:clrMapOvr>
+  <p:timing>
+    <p:tnLst>
+      <p:par>
+        <p:cTn id="1" dur="indefinite" restart="never" nodeType="tmRoot"/>
+      </p:par>
+    </p:tnLst>
+  </p:timing>
 </p:sld>
 </file>
 
@@ -5363,6 +5471,13 @@
   <p:clrMapOvr>
     <a:masterClrMapping/>
   </p:clrMapOvr>
+  <p:timing>
+    <p:tnLst>
+      <p:par>
+        <p:cTn id="1" dur="indefinite" restart="never" nodeType="tmRoot"/>
+      </p:par>
+    </p:tnLst>
+  </p:timing>
 </p:sld>
 </file>
 
@@ -5461,6 +5576,13 @@
   <p:clrMapOvr>
     <a:masterClrMapping/>
   </p:clrMapOvr>
+  <p:timing>
+    <p:tnLst>
+      <p:par>
+        <p:cTn id="1" dur="indefinite" restart="never" nodeType="tmRoot"/>
+      </p:par>
+    </p:tnLst>
+  </p:timing>
 </p:sld>
 </file>
 
